--- a/06 - Web Dynamique/01 - Javascript/03 - Présentation Javascript.pptx
+++ b/06 - Web Dynamique/01 - Javascript/03 - Présentation Javascript.pptx
@@ -319,7 +319,7 @@
             <a:fld id="{B61BEF0D-F0BB-DE4B-95CE-6DB70DBA9567}" type="datetimeFigureOut">
               <a:rPr lang="en-US" dirty="0"/>
               <a:pPr/>
-              <a:t>2/15/2019</a:t>
+              <a:t>12/9/2020</a:t>
             </a:fld>
             <a:endParaRPr lang="en-US" dirty="0"/>
           </a:p>
@@ -654,7 +654,7 @@
             <a:fld id="{B61BEF0D-F0BB-DE4B-95CE-6DB70DBA9567}" type="datetimeFigureOut">
               <a:rPr lang="en-US" dirty="0"/>
               <a:pPr/>
-              <a:t>2/15/2019</a:t>
+              <a:t>12/9/2020</a:t>
             </a:fld>
             <a:endParaRPr lang="en-US" dirty="0"/>
           </a:p>
@@ -1052,7 +1052,7 @@
             <a:fld id="{B61BEF0D-F0BB-DE4B-95CE-6DB70DBA9567}" type="datetimeFigureOut">
               <a:rPr lang="en-US" dirty="0"/>
               <a:pPr/>
-              <a:t>2/15/2019</a:t>
+              <a:t>12/9/2020</a:t>
             </a:fld>
             <a:endParaRPr lang="en-US" dirty="0"/>
           </a:p>
@@ -1385,7 +1385,7 @@
             <a:fld id="{B61BEF0D-F0BB-DE4B-95CE-6DB70DBA9567}" type="datetimeFigureOut">
               <a:rPr lang="en-US" dirty="0"/>
               <a:pPr/>
-              <a:t>2/15/2019</a:t>
+              <a:t>12/9/2020</a:t>
             </a:fld>
             <a:endParaRPr lang="en-US" dirty="0"/>
           </a:p>
@@ -1702,7 +1702,7 @@
             <a:fld id="{B61BEF0D-F0BB-DE4B-95CE-6DB70DBA9567}" type="datetimeFigureOut">
               <a:rPr lang="en-US" dirty="0"/>
               <a:pPr/>
-              <a:t>2/15/2019</a:t>
+              <a:t>12/9/2020</a:t>
             </a:fld>
             <a:endParaRPr lang="en-US" dirty="0"/>
           </a:p>
@@ -2095,7 +2095,7 @@
             <a:fld id="{B61BEF0D-F0BB-DE4B-95CE-6DB70DBA9567}" type="datetimeFigureOut">
               <a:rPr lang="en-US" dirty="0"/>
               <a:pPr/>
-              <a:t>2/15/2019</a:t>
+              <a:t>12/9/2020</a:t>
             </a:fld>
             <a:endParaRPr lang="en-US" dirty="0"/>
           </a:p>
@@ -2349,7 +2349,7 @@
             <a:fld id="{B61BEF0D-F0BB-DE4B-95CE-6DB70DBA9567}" type="datetimeFigureOut">
               <a:rPr lang="en-US" dirty="0"/>
               <a:pPr/>
-              <a:t>2/15/2019</a:t>
+              <a:t>12/9/2020</a:t>
             </a:fld>
             <a:endParaRPr lang="en-US" dirty="0"/>
           </a:p>
@@ -2608,7 +2608,7 @@
             <a:fld id="{B61BEF0D-F0BB-DE4B-95CE-6DB70DBA9567}" type="datetimeFigureOut">
               <a:rPr lang="en-US" dirty="0"/>
               <a:pPr/>
-              <a:t>2/15/2019</a:t>
+              <a:t>12/9/2020</a:t>
             </a:fld>
             <a:endParaRPr lang="en-US" dirty="0"/>
           </a:p>
@@ -2867,7 +2867,7 @@
             <a:fld id="{B61BEF0D-F0BB-DE4B-95CE-6DB70DBA9567}" type="datetimeFigureOut">
               <a:rPr lang="en-US" dirty="0"/>
               <a:pPr/>
-              <a:t>2/15/2019</a:t>
+              <a:t>12/9/2020</a:t>
             </a:fld>
             <a:endParaRPr lang="en-US" dirty="0"/>
           </a:p>
@@ -3193,7 +3193,7 @@
             <a:fld id="{B61BEF0D-F0BB-DE4B-95CE-6DB70DBA9567}" type="datetimeFigureOut">
               <a:rPr lang="en-US" dirty="0"/>
               <a:pPr/>
-              <a:t>2/15/2019</a:t>
+              <a:t>12/9/2020</a:t>
             </a:fld>
             <a:endParaRPr lang="en-US" dirty="0"/>
           </a:p>
@@ -3513,7 +3513,7 @@
             <a:fld id="{B61BEF0D-F0BB-DE4B-95CE-6DB70DBA9567}" type="datetimeFigureOut">
               <a:rPr lang="en-US" dirty="0"/>
               <a:pPr/>
-              <a:t>2/15/2019</a:t>
+              <a:t>12/9/2020</a:t>
             </a:fld>
             <a:endParaRPr lang="en-US" dirty="0"/>
           </a:p>
@@ -3967,7 +3967,7 @@
             <a:fld id="{B61BEF0D-F0BB-DE4B-95CE-6DB70DBA9567}" type="datetimeFigureOut">
               <a:rPr lang="en-US" dirty="0"/>
               <a:pPr/>
-              <a:t>2/15/2019</a:t>
+              <a:t>12/9/2020</a:t>
             </a:fld>
             <a:endParaRPr lang="en-US" dirty="0"/>
           </a:p>
@@ -4169,7 +4169,7 @@
             <a:fld id="{B61BEF0D-F0BB-DE4B-95CE-6DB70DBA9567}" type="datetimeFigureOut">
               <a:rPr lang="en-US" dirty="0"/>
               <a:pPr/>
-              <a:t>2/15/2019</a:t>
+              <a:t>12/9/2020</a:t>
             </a:fld>
             <a:endParaRPr lang="en-US" dirty="0"/>
           </a:p>
@@ -4343,7 +4343,7 @@
             <a:fld id="{B61BEF0D-F0BB-DE4B-95CE-6DB70DBA9567}" type="datetimeFigureOut">
               <a:rPr lang="en-US" dirty="0"/>
               <a:pPr/>
-              <a:t>2/15/2019</a:t>
+              <a:t>12/9/2020</a:t>
             </a:fld>
             <a:endParaRPr lang="en-US" dirty="0"/>
           </a:p>
@@ -4673,7 +4673,7 @@
             <a:fld id="{B61BEF0D-F0BB-DE4B-95CE-6DB70DBA9567}" type="datetimeFigureOut">
               <a:rPr lang="en-US" dirty="0"/>
               <a:pPr/>
-              <a:t>2/15/2019</a:t>
+              <a:t>12/9/2020</a:t>
             </a:fld>
             <a:endParaRPr lang="en-US" dirty="0"/>
           </a:p>
@@ -5015,7 +5015,7 @@
             <a:fld id="{B61BEF0D-F0BB-DE4B-95CE-6DB70DBA9567}" type="datetimeFigureOut">
               <a:rPr lang="en-US" dirty="0"/>
               <a:pPr/>
-              <a:t>2/15/2019</a:t>
+              <a:t>12/9/2020</a:t>
             </a:fld>
             <a:endParaRPr lang="en-US" dirty="0"/>
           </a:p>
@@ -7129,7 +7129,7 @@
             <a:fld id="{B61BEF0D-F0BB-DE4B-95CE-6DB70DBA9567}" type="datetimeFigureOut">
               <a:rPr lang="en-US" dirty="0"/>
               <a:pPr/>
-              <a:t>2/15/2019</a:t>
+              <a:t>12/9/2020</a:t>
             </a:fld>
             <a:endParaRPr lang="en-US" dirty="0"/>
           </a:p>
@@ -10374,7 +10374,25 @@
                 </a:solidFill>
                 <a:latin typeface="Arial" panose="020B0604020202020204" pitchFamily="34" charset="0"/>
               </a:rPr>
-              <a:t> Dans une balise script directement dans le HTTML :</a:t>
+              <a:t> Dans une balise script directement dans le </a:t>
+            </a:r>
+            <a:r>
+              <a:rPr lang="fr-FR" altLang="fr-FR" sz="2800" dirty="0" smtClean="0">
+                <a:solidFill>
+                  <a:schemeClr val="tx1"/>
+                </a:solidFill>
+                <a:latin typeface="Arial" panose="020B0604020202020204" pitchFamily="34" charset="0"/>
+              </a:rPr>
+              <a:t>HTML </a:t>
+            </a:r>
+            <a:r>
+              <a:rPr lang="fr-FR" altLang="fr-FR" sz="2800" dirty="0" smtClean="0">
+                <a:solidFill>
+                  <a:schemeClr val="tx1"/>
+                </a:solidFill>
+                <a:latin typeface="Arial" panose="020B0604020202020204" pitchFamily="34" charset="0"/>
+              </a:rPr>
+              <a:t>:</a:t>
             </a:r>
           </a:p>
           <a:p>
